--- a/42015037_유지한_PLC기말(수정본).pptx
+++ b/42015037_유지한_PLC기말(수정본).pptx
@@ -5,18 +5,17 @@
     <p:sldMasterId id="2147483648" r:id="rId1"/>
   </p:sldMasterIdLst>
   <p:notesMasterIdLst>
-    <p:notesMasterId r:id="rId11"/>
+    <p:notesMasterId r:id="rId10"/>
   </p:notesMasterIdLst>
   <p:sldIdLst>
     <p:sldId id="261" r:id="rId2"/>
-    <p:sldId id="266" r:id="rId3"/>
-    <p:sldId id="267" r:id="rId4"/>
-    <p:sldId id="272" r:id="rId5"/>
-    <p:sldId id="271" r:id="rId6"/>
-    <p:sldId id="268" r:id="rId7"/>
-    <p:sldId id="273" r:id="rId8"/>
-    <p:sldId id="274" r:id="rId9"/>
-    <p:sldId id="270" r:id="rId10"/>
+    <p:sldId id="267" r:id="rId3"/>
+    <p:sldId id="272" r:id="rId4"/>
+    <p:sldId id="271" r:id="rId5"/>
+    <p:sldId id="268" r:id="rId6"/>
+    <p:sldId id="273" r:id="rId7"/>
+    <p:sldId id="274" r:id="rId8"/>
+    <p:sldId id="270" r:id="rId9"/>
   </p:sldIdLst>
   <p:sldSz cx="12192000" cy="6858000"/>
   <p:notesSz cx="6858000" cy="9144000"/>
@@ -205,7 +204,7 @@
           <a:p>
             <a:fld id="{969B54AF-082A-4406-BBBA-1642C6E8A068}" type="datetimeFigureOut">
               <a:rPr lang="ko-KR" altLang="en-US" smtClean="0"/>
-              <a:t>2024-06-05</a:t>
+              <a:t>2024-06-08</a:t>
             </a:fld>
             <a:endParaRPr lang="ko-KR" altLang="en-US"/>
           </a:p>
@@ -619,7 +618,7 @@
           <a:p>
             <a:fld id="{54B4ED18-CF85-442F-A5B3-D45CA310C115}" type="datetimeFigureOut">
               <a:rPr lang="ko-KR" altLang="en-US" smtClean="0"/>
-              <a:t>2024-06-05</a:t>
+              <a:t>2024-06-08</a:t>
             </a:fld>
             <a:endParaRPr lang="ko-KR" altLang="en-US"/>
           </a:p>
@@ -817,7 +816,7 @@
           <a:p>
             <a:fld id="{54B4ED18-CF85-442F-A5B3-D45CA310C115}" type="datetimeFigureOut">
               <a:rPr lang="ko-KR" altLang="en-US" smtClean="0"/>
-              <a:t>2024-06-05</a:t>
+              <a:t>2024-06-08</a:t>
             </a:fld>
             <a:endParaRPr lang="ko-KR" altLang="en-US"/>
           </a:p>
@@ -1025,7 +1024,7 @@
           <a:p>
             <a:fld id="{54B4ED18-CF85-442F-A5B3-D45CA310C115}" type="datetimeFigureOut">
               <a:rPr lang="ko-KR" altLang="en-US" smtClean="0"/>
-              <a:t>2024-06-05</a:t>
+              <a:t>2024-06-08</a:t>
             </a:fld>
             <a:endParaRPr lang="ko-KR" altLang="en-US"/>
           </a:p>
@@ -1223,7 +1222,7 @@
           <a:p>
             <a:fld id="{54B4ED18-CF85-442F-A5B3-D45CA310C115}" type="datetimeFigureOut">
               <a:rPr lang="ko-KR" altLang="en-US" smtClean="0"/>
-              <a:t>2024-06-05</a:t>
+              <a:t>2024-06-08</a:t>
             </a:fld>
             <a:endParaRPr lang="ko-KR" altLang="en-US"/>
           </a:p>
@@ -1498,7 +1497,7 @@
           <a:p>
             <a:fld id="{54B4ED18-CF85-442F-A5B3-D45CA310C115}" type="datetimeFigureOut">
               <a:rPr lang="ko-KR" altLang="en-US" smtClean="0"/>
-              <a:t>2024-06-05</a:t>
+              <a:t>2024-06-08</a:t>
             </a:fld>
             <a:endParaRPr lang="ko-KR" altLang="en-US"/>
           </a:p>
@@ -1763,7 +1762,7 @@
           <a:p>
             <a:fld id="{54B4ED18-CF85-442F-A5B3-D45CA310C115}" type="datetimeFigureOut">
               <a:rPr lang="ko-KR" altLang="en-US" smtClean="0"/>
-              <a:t>2024-06-05</a:t>
+              <a:t>2024-06-08</a:t>
             </a:fld>
             <a:endParaRPr lang="ko-KR" altLang="en-US"/>
           </a:p>
@@ -2175,7 +2174,7 @@
           <a:p>
             <a:fld id="{54B4ED18-CF85-442F-A5B3-D45CA310C115}" type="datetimeFigureOut">
               <a:rPr lang="ko-KR" altLang="en-US" smtClean="0"/>
-              <a:t>2024-06-05</a:t>
+              <a:t>2024-06-08</a:t>
             </a:fld>
             <a:endParaRPr lang="ko-KR" altLang="en-US"/>
           </a:p>
@@ -2316,7 +2315,7 @@
           <a:p>
             <a:fld id="{54B4ED18-CF85-442F-A5B3-D45CA310C115}" type="datetimeFigureOut">
               <a:rPr lang="ko-KR" altLang="en-US" smtClean="0"/>
-              <a:t>2024-06-05</a:t>
+              <a:t>2024-06-08</a:t>
             </a:fld>
             <a:endParaRPr lang="ko-KR" altLang="en-US"/>
           </a:p>
@@ -2429,7 +2428,7 @@
           <a:p>
             <a:fld id="{54B4ED18-CF85-442F-A5B3-D45CA310C115}" type="datetimeFigureOut">
               <a:rPr lang="ko-KR" altLang="en-US" smtClean="0"/>
-              <a:t>2024-06-05</a:t>
+              <a:t>2024-06-08</a:t>
             </a:fld>
             <a:endParaRPr lang="ko-KR" altLang="en-US"/>
           </a:p>
@@ -2740,7 +2739,7 @@
           <a:p>
             <a:fld id="{54B4ED18-CF85-442F-A5B3-D45CA310C115}" type="datetimeFigureOut">
               <a:rPr lang="ko-KR" altLang="en-US" smtClean="0"/>
-              <a:t>2024-06-05</a:t>
+              <a:t>2024-06-08</a:t>
             </a:fld>
             <a:endParaRPr lang="ko-KR" altLang="en-US"/>
           </a:p>
@@ -3028,7 +3027,7 @@
           <a:p>
             <a:fld id="{54B4ED18-CF85-442F-A5B3-D45CA310C115}" type="datetimeFigureOut">
               <a:rPr lang="ko-KR" altLang="en-US" smtClean="0"/>
-              <a:t>2024-06-05</a:t>
+              <a:t>2024-06-08</a:t>
             </a:fld>
             <a:endParaRPr lang="ko-KR" altLang="en-US"/>
           </a:p>
@@ -3269,7 +3268,7 @@
           <a:p>
             <a:fld id="{54B4ED18-CF85-442F-A5B3-D45CA310C115}" type="datetimeFigureOut">
               <a:rPr lang="ko-KR" altLang="en-US" smtClean="0"/>
-              <a:t>2024-06-05</a:t>
+              <a:t>2024-06-08</a:t>
             </a:fld>
             <a:endParaRPr lang="ko-KR" altLang="en-US"/>
           </a:p>
@@ -3716,6 +3715,10 @@
               <a:rPr lang="ko-KR" altLang="en-US" dirty="0"/>
               <a:t>두원공과대학교 </a:t>
             </a:r>
+            <a:r>
+              <a:rPr lang="en-US" altLang="ko-KR" dirty="0"/>
+              <a:t/>
+            </a:r>
             <a:br>
               <a:rPr lang="en-US" altLang="ko-KR" dirty="0"/>
             </a:br>
@@ -3842,7 +3845,7 @@
           <p:cNvPr id="6" name="TextBox 5">
             <a:extLst>
               <a:ext uri="{FF2B5EF4-FFF2-40B4-BE49-F238E27FC236}">
-                <a16:creationId xmlns:a16="http://schemas.microsoft.com/office/drawing/2014/main" id="{E327DD03-4F67-4244-A826-B2E6B83B5EFD}"/>
+                <a16:creationId xmlns:a16="http://schemas.microsoft.com/office/drawing/2014/main" id="{F168FE63-E5CD-4A05-B4EC-34494A66C414}"/>
               </a:ext>
             </a:extLst>
           </p:cNvPr>
@@ -3852,7 +3855,7 @@
         <p:spPr>
           <a:xfrm>
             <a:off x="8342313" y="993229"/>
-            <a:ext cx="3150749" cy="1323439"/>
+            <a:ext cx="3434528" cy="707886"/>
           </a:xfrm>
           <a:prstGeom prst="rect">
             <a:avLst/>
@@ -3866,15 +3869,398 @@
           <a:lstStyle/>
           <a:p>
             <a:r>
-              <a:rPr lang="ko-KR" altLang="en-US" sz="4000" dirty="0"/>
-              <a:t>랜덤 가위 </a:t>
-            </a:r>
-            <a:endParaRPr lang="en-US" altLang="ko-KR" sz="4000" dirty="0"/>
-          </a:p>
-          <a:p>
-            <a:r>
-              <a:rPr lang="ko-KR" altLang="en-US" sz="4000" dirty="0"/>
-              <a:t>바위 보 게임</a:t>
+              <a:rPr lang="ko-KR" altLang="en-US" sz="4000"/>
+              <a:t>사거리 신호등</a:t>
+            </a:r>
+            <a:endParaRPr lang="ko-KR" altLang="en-US" sz="4000" dirty="0"/>
+          </a:p>
+        </p:txBody>
+      </p:sp>
+      <p:pic>
+        <p:nvPicPr>
+          <p:cNvPr id="3" name="그림 2">
+            <a:extLst>
+              <a:ext uri="{FF2B5EF4-FFF2-40B4-BE49-F238E27FC236}">
+                <a16:creationId xmlns:a16="http://schemas.microsoft.com/office/drawing/2014/main" id="{56992FC4-E780-4545-90F8-B7ABCAC9F801}"/>
+              </a:ext>
+            </a:extLst>
+          </p:cNvPr>
+          <p:cNvPicPr>
+            <a:picLocks noChangeAspect="1"/>
+          </p:cNvPicPr>
+          <p:nvPr/>
+        </p:nvPicPr>
+        <p:blipFill>
+          <a:blip r:embed="rId2">
+            <a:extLst>
+              <a:ext uri="{28A0092B-C50C-407E-A947-70E740481C1C}">
+                <a14:useLocalDpi xmlns:a14="http://schemas.microsoft.com/office/drawing/2010/main" val="0"/>
+              </a:ext>
+            </a:extLst>
+          </a:blip>
+          <a:stretch>
+            <a:fillRect/>
+          </a:stretch>
+        </p:blipFill>
+        <p:spPr>
+          <a:xfrm>
+            <a:off x="0" y="0"/>
+            <a:ext cx="5503817" cy="6858000"/>
+          </a:xfrm>
+          <a:prstGeom prst="rect">
+            <a:avLst/>
+          </a:prstGeom>
+        </p:spPr>
+      </p:pic>
+      <p:sp>
+        <p:nvSpPr>
+          <p:cNvPr id="5" name="TextBox 4">
+            <a:extLst>
+              <a:ext uri="{FF2B5EF4-FFF2-40B4-BE49-F238E27FC236}">
+                <a16:creationId xmlns:a16="http://schemas.microsoft.com/office/drawing/2014/main" id="{EAD58246-1F49-4BFE-817F-0511A229BEB2}"/>
+              </a:ext>
+            </a:extLst>
+          </p:cNvPr>
+          <p:cNvSpPr txBox="1"/>
+          <p:nvPr/>
+        </p:nvSpPr>
+        <p:spPr>
+          <a:xfrm>
+            <a:off x="5634446" y="461554"/>
+            <a:ext cx="2002971" cy="400110"/>
+          </a:xfrm>
+          <a:prstGeom prst="rect">
+            <a:avLst/>
+          </a:prstGeom>
+          <a:noFill/>
+        </p:spPr>
+        <p:txBody>
+          <a:bodyPr wrap="square" rtlCol="0">
+            <a:spAutoFit/>
+          </a:bodyPr>
+          <a:lstStyle/>
+          <a:p>
+            <a:r>
+              <a:rPr lang="en-US" altLang="ko-KR" sz="1000" dirty="0"/>
+              <a:t>X0</a:t>
+            </a:r>
+            <a:r>
+              <a:rPr lang="ko-KR" altLang="en-US" sz="1000" dirty="0"/>
+              <a:t>는 </a:t>
+            </a:r>
+            <a:r>
+              <a:rPr lang="en-US" altLang="ko-KR" sz="1000" dirty="0"/>
+              <a:t>ON</a:t>
+            </a:r>
+            <a:r>
+              <a:rPr lang="ko-KR" altLang="en-US" sz="1000" dirty="0"/>
+              <a:t>스위치</a:t>
+            </a:r>
+            <a:r>
+              <a:rPr lang="en-US" altLang="ko-KR" sz="1000" dirty="0"/>
+              <a:t/>
+            </a:r>
+            <a:br>
+              <a:rPr lang="en-US" altLang="ko-KR" sz="1000" dirty="0"/>
+            </a:br>
+            <a:r>
+              <a:rPr lang="en-US" altLang="ko-KR" sz="1000" dirty="0"/>
+              <a:t>X1</a:t>
+            </a:r>
+            <a:r>
+              <a:rPr lang="ko-KR" altLang="en-US" sz="1000" dirty="0"/>
+              <a:t>은 </a:t>
+            </a:r>
+            <a:r>
+              <a:rPr lang="en-US" altLang="ko-KR" sz="1000" dirty="0"/>
+              <a:t>OFF</a:t>
+            </a:r>
+            <a:r>
+              <a:rPr lang="ko-KR" altLang="en-US" sz="1000" dirty="0"/>
+              <a:t>스위치</a:t>
+            </a:r>
+          </a:p>
+        </p:txBody>
+      </p:sp>
+      <p:sp>
+        <p:nvSpPr>
+          <p:cNvPr id="7" name="TextBox 6">
+            <a:extLst>
+              <a:ext uri="{FF2B5EF4-FFF2-40B4-BE49-F238E27FC236}">
+                <a16:creationId xmlns:a16="http://schemas.microsoft.com/office/drawing/2014/main" id="{3FCDD664-6A25-4D74-B89B-FFC26959B4E5}"/>
+              </a:ext>
+            </a:extLst>
+          </p:cNvPr>
+          <p:cNvSpPr txBox="1"/>
+          <p:nvPr/>
+        </p:nvSpPr>
+        <p:spPr>
+          <a:xfrm>
+            <a:off x="5686699" y="2111828"/>
+            <a:ext cx="2002971" cy="400110"/>
+          </a:xfrm>
+          <a:prstGeom prst="rect">
+            <a:avLst/>
+          </a:prstGeom>
+          <a:noFill/>
+        </p:spPr>
+        <p:txBody>
+          <a:bodyPr wrap="square" rtlCol="0">
+            <a:spAutoFit/>
+          </a:bodyPr>
+          <a:lstStyle/>
+          <a:p>
+            <a:r>
+              <a:rPr lang="en-US" altLang="ko-KR" sz="1000" dirty="0"/>
+              <a:t>M0</a:t>
+            </a:r>
+            <a:r>
+              <a:rPr lang="ko-KR" altLang="en-US" sz="1000" dirty="0"/>
+              <a:t>에</a:t>
+            </a:r>
+            <a:r>
+              <a:rPr lang="en-US" altLang="ko-KR" sz="1000" dirty="0"/>
+              <a:t> </a:t>
+            </a:r>
+            <a:r>
+              <a:rPr lang="ko-KR" altLang="en-US" sz="1000" dirty="0"/>
+              <a:t>전원이 들어오면 </a:t>
+            </a:r>
+            <a:r>
+              <a:rPr lang="en-US" altLang="ko-KR" sz="1000" dirty="0"/>
+              <a:t>T0</a:t>
+            </a:r>
+            <a:r>
+              <a:rPr lang="ko-KR" altLang="en-US" sz="1000" dirty="0"/>
+              <a:t>가 </a:t>
+            </a:r>
+            <a:r>
+              <a:rPr lang="en-US" altLang="ko-KR" sz="1000" dirty="0"/>
+              <a:t>5</a:t>
+            </a:r>
+            <a:r>
+              <a:rPr lang="ko-KR" altLang="en-US" sz="1000" dirty="0"/>
+              <a:t>초 동안 동작</a:t>
+            </a:r>
+          </a:p>
+        </p:txBody>
+      </p:sp>
+      <p:sp>
+        <p:nvSpPr>
+          <p:cNvPr id="8" name="TextBox 7">
+            <a:extLst>
+              <a:ext uri="{FF2B5EF4-FFF2-40B4-BE49-F238E27FC236}">
+                <a16:creationId xmlns:a16="http://schemas.microsoft.com/office/drawing/2014/main" id="{E3524894-3BDF-42B3-AF7F-0724C27CBC91}"/>
+              </a:ext>
+            </a:extLst>
+          </p:cNvPr>
+          <p:cNvSpPr txBox="1"/>
+          <p:nvPr/>
+        </p:nvSpPr>
+        <p:spPr>
+          <a:xfrm>
+            <a:off x="5634445" y="3228945"/>
+            <a:ext cx="2002971" cy="246221"/>
+          </a:xfrm>
+          <a:prstGeom prst="rect">
+            <a:avLst/>
+          </a:prstGeom>
+          <a:noFill/>
+        </p:spPr>
+        <p:txBody>
+          <a:bodyPr wrap="square" rtlCol="0">
+            <a:spAutoFit/>
+          </a:bodyPr>
+          <a:lstStyle/>
+          <a:p>
+            <a:r>
+              <a:rPr lang="en-US" altLang="ko-KR" sz="1000" dirty="0"/>
+              <a:t>T0 5</a:t>
+            </a:r>
+            <a:r>
+              <a:rPr lang="ko-KR" altLang="en-US" sz="1000" dirty="0"/>
+              <a:t>초 뒤 </a:t>
+            </a:r>
+            <a:r>
+              <a:rPr lang="en-US" altLang="ko-KR" sz="1000" dirty="0"/>
+              <a:t>T1</a:t>
+            </a:r>
+            <a:r>
+              <a:rPr lang="ko-KR" altLang="en-US" sz="1000" dirty="0"/>
+              <a:t>이 </a:t>
+            </a:r>
+            <a:r>
+              <a:rPr lang="en-US" altLang="ko-KR" sz="1000" dirty="0"/>
+              <a:t>1</a:t>
+            </a:r>
+            <a:r>
+              <a:rPr lang="ko-KR" altLang="en-US" sz="1000" dirty="0"/>
+              <a:t>초 동안 동작</a:t>
+            </a:r>
+          </a:p>
+        </p:txBody>
+      </p:sp>
+      <p:sp>
+        <p:nvSpPr>
+          <p:cNvPr id="10" name="TextBox 9">
+            <a:extLst>
+              <a:ext uri="{FF2B5EF4-FFF2-40B4-BE49-F238E27FC236}">
+                <a16:creationId xmlns:a16="http://schemas.microsoft.com/office/drawing/2014/main" id="{FE14D628-82FC-41EF-A749-BBA554208704}"/>
+              </a:ext>
+            </a:extLst>
+          </p:cNvPr>
+          <p:cNvSpPr txBox="1"/>
+          <p:nvPr/>
+        </p:nvSpPr>
+        <p:spPr>
+          <a:xfrm>
+            <a:off x="5686699" y="4192173"/>
+            <a:ext cx="2002971" cy="246221"/>
+          </a:xfrm>
+          <a:prstGeom prst="rect">
+            <a:avLst/>
+          </a:prstGeom>
+          <a:noFill/>
+        </p:spPr>
+        <p:txBody>
+          <a:bodyPr wrap="square" rtlCol="0">
+            <a:spAutoFit/>
+          </a:bodyPr>
+          <a:lstStyle/>
+          <a:p>
+            <a:r>
+              <a:rPr lang="en-US" altLang="ko-KR" sz="1000" dirty="0"/>
+              <a:t>T1 1</a:t>
+            </a:r>
+            <a:r>
+              <a:rPr lang="ko-KR" altLang="en-US" sz="1000" dirty="0"/>
+              <a:t>초 뒤 </a:t>
+            </a:r>
+            <a:r>
+              <a:rPr lang="en-US" altLang="ko-KR" sz="1000" dirty="0"/>
+              <a:t>T2</a:t>
+            </a:r>
+            <a:r>
+              <a:rPr lang="ko-KR" altLang="en-US" sz="1000" dirty="0"/>
+              <a:t>가 </a:t>
+            </a:r>
+            <a:r>
+              <a:rPr lang="en-US" altLang="ko-KR" sz="1000" dirty="0"/>
+              <a:t>5</a:t>
+            </a:r>
+            <a:r>
+              <a:rPr lang="ko-KR" altLang="en-US" sz="1000" dirty="0"/>
+              <a:t>초 동안 동작</a:t>
+            </a:r>
+          </a:p>
+        </p:txBody>
+      </p:sp>
+      <p:sp>
+        <p:nvSpPr>
+          <p:cNvPr id="11" name="TextBox 10">
+            <a:extLst>
+              <a:ext uri="{FF2B5EF4-FFF2-40B4-BE49-F238E27FC236}">
+                <a16:creationId xmlns:a16="http://schemas.microsoft.com/office/drawing/2014/main" id="{74E96317-8B6A-45AB-84D5-5C2ACA38812A}"/>
+              </a:ext>
+            </a:extLst>
+          </p:cNvPr>
+          <p:cNvSpPr txBox="1"/>
+          <p:nvPr/>
+        </p:nvSpPr>
+        <p:spPr>
+          <a:xfrm>
+            <a:off x="5686699" y="5155401"/>
+            <a:ext cx="2002971" cy="246221"/>
+          </a:xfrm>
+          <a:prstGeom prst="rect">
+            <a:avLst/>
+          </a:prstGeom>
+          <a:noFill/>
+        </p:spPr>
+        <p:txBody>
+          <a:bodyPr wrap="square" rtlCol="0">
+            <a:spAutoFit/>
+          </a:bodyPr>
+          <a:lstStyle/>
+          <a:p>
+            <a:r>
+              <a:rPr lang="en-US" altLang="ko-KR" sz="1000" dirty="0"/>
+              <a:t>T2 5</a:t>
+            </a:r>
+            <a:r>
+              <a:rPr lang="ko-KR" altLang="en-US" sz="1000" dirty="0"/>
+              <a:t>초 뒤 </a:t>
+            </a:r>
+            <a:r>
+              <a:rPr lang="en-US" altLang="ko-KR" sz="1000" dirty="0"/>
+              <a:t>T3</a:t>
+            </a:r>
+            <a:r>
+              <a:rPr lang="ko-KR" altLang="en-US" sz="1000" dirty="0"/>
+              <a:t>가 </a:t>
+            </a:r>
+            <a:r>
+              <a:rPr lang="en-US" altLang="ko-KR" sz="1000" dirty="0"/>
+              <a:t>1</a:t>
+            </a:r>
+            <a:r>
+              <a:rPr lang="ko-KR" altLang="en-US" sz="1000" dirty="0"/>
+              <a:t>초 동안 동작</a:t>
+            </a:r>
+          </a:p>
+        </p:txBody>
+      </p:sp>
+      <p:sp>
+        <p:nvSpPr>
+          <p:cNvPr id="12" name="TextBox 11">
+            <a:extLst>
+              <a:ext uri="{FF2B5EF4-FFF2-40B4-BE49-F238E27FC236}">
+                <a16:creationId xmlns:a16="http://schemas.microsoft.com/office/drawing/2014/main" id="{49DB6FF5-B54A-4786-8115-3E9E8A993CE3}"/>
+              </a:ext>
+            </a:extLst>
+          </p:cNvPr>
+          <p:cNvSpPr txBox="1"/>
+          <p:nvPr/>
+        </p:nvSpPr>
+        <p:spPr>
+          <a:xfrm>
+            <a:off x="5686699" y="6150225"/>
+            <a:ext cx="2002971" cy="246221"/>
+          </a:xfrm>
+          <a:prstGeom prst="rect">
+            <a:avLst/>
+          </a:prstGeom>
+          <a:noFill/>
+        </p:spPr>
+        <p:txBody>
+          <a:bodyPr wrap="square" rtlCol="0">
+            <a:spAutoFit/>
+          </a:bodyPr>
+          <a:lstStyle/>
+          <a:p>
+            <a:r>
+              <a:rPr lang="en-US" altLang="ko-KR" sz="1000" dirty="0"/>
+              <a:t>T3 1</a:t>
+            </a:r>
+            <a:r>
+              <a:rPr lang="ko-KR" altLang="en-US" sz="1000" dirty="0"/>
+              <a:t>초 뒤 </a:t>
+            </a:r>
+            <a:r>
+              <a:rPr lang="en-US" altLang="ko-KR" sz="1000" dirty="0"/>
+              <a:t>T4</a:t>
+            </a:r>
+            <a:r>
+              <a:rPr lang="ko-KR" altLang="en-US" sz="1000" dirty="0"/>
+              <a:t>가 </a:t>
+            </a:r>
+            <a:r>
+              <a:rPr lang="en-US" altLang="ko-KR" sz="1000" dirty="0"/>
+              <a:t>5</a:t>
+            </a:r>
+            <a:r>
+              <a:rPr lang="ko-KR" altLang="en-US" sz="1000" dirty="0"/>
+              <a:t>초 동안 동작</a:t>
             </a:r>
           </a:p>
         </p:txBody>
@@ -3882,7 +4268,7 @@
     </p:spTree>
     <p:extLst>
       <p:ext uri="{BB962C8B-B14F-4D97-AF65-F5344CB8AC3E}">
-        <p14:creationId xmlns:p14="http://schemas.microsoft.com/office/powerpoint/2010/main" val="1381891545"/>
+        <p14:creationId xmlns:p14="http://schemas.microsoft.com/office/powerpoint/2010/main" val="1813197186"/>
       </p:ext>
     </p:extLst>
   </p:cSld>
@@ -3947,10 +4333,10 @@
       </p:sp>
       <p:pic>
         <p:nvPicPr>
-          <p:cNvPr id="3" name="그림 2">
-            <a:extLst>
-              <a:ext uri="{FF2B5EF4-FFF2-40B4-BE49-F238E27FC236}">
-                <a16:creationId xmlns:a16="http://schemas.microsoft.com/office/drawing/2014/main" id="{56992FC4-E780-4545-90F8-B7ABCAC9F801}"/>
+          <p:cNvPr id="4" name="그림 3">
+            <a:extLst>
+              <a:ext uri="{FF2B5EF4-FFF2-40B4-BE49-F238E27FC236}">
+                <a16:creationId xmlns:a16="http://schemas.microsoft.com/office/drawing/2014/main" id="{3ACDB2F6-F019-424F-99C2-E04E57EFC4F0}"/>
               </a:ext>
             </a:extLst>
           </p:cNvPr>
@@ -3974,7 +4360,7 @@
         <p:spPr>
           <a:xfrm>
             <a:off x="0" y="0"/>
-            <a:ext cx="5503817" cy="6858000"/>
+            <a:ext cx="5652655" cy="6858000"/>
           </a:xfrm>
           <a:prstGeom prst="rect">
             <a:avLst/>
@@ -3983,10 +4369,10 @@
       </p:pic>
       <p:sp>
         <p:nvSpPr>
-          <p:cNvPr id="5" name="TextBox 4">
-            <a:extLst>
-              <a:ext uri="{FF2B5EF4-FFF2-40B4-BE49-F238E27FC236}">
-                <a16:creationId xmlns:a16="http://schemas.microsoft.com/office/drawing/2014/main" id="{EAD58246-1F49-4BFE-817F-0511A229BEB2}"/>
+          <p:cNvPr id="7" name="TextBox 6">
+            <a:extLst>
+              <a:ext uri="{FF2B5EF4-FFF2-40B4-BE49-F238E27FC236}">
+                <a16:creationId xmlns:a16="http://schemas.microsoft.com/office/drawing/2014/main" id="{2F5F832E-C119-4661-BC7E-960A1D539543}"/>
               </a:ext>
             </a:extLst>
           </p:cNvPr>
@@ -3995,8 +4381,8 @@
         </p:nvSpPr>
         <p:spPr>
           <a:xfrm>
-            <a:off x="5634446" y="461554"/>
-            <a:ext cx="2002971" cy="400110"/>
+            <a:off x="5537861" y="489654"/>
+            <a:ext cx="2002971" cy="707886"/>
           </a:xfrm>
           <a:prstGeom prst="rect">
             <a:avLst/>
@@ -4011,48 +4397,83 @@
           <a:p>
             <a:r>
               <a:rPr lang="en-US" altLang="ko-KR" sz="1000" dirty="0"/>
-              <a:t>X0</a:t>
+              <a:t>M0</a:t>
             </a:r>
             <a:r>
               <a:rPr lang="ko-KR" altLang="en-US" sz="1000" dirty="0"/>
-              <a:t>는 </a:t>
-            </a:r>
+              <a:t>에 전원 인가 후 </a:t>
+            </a:r>
+            <a:endParaRPr lang="en-US" altLang="ko-KR" sz="1000" dirty="0"/>
+          </a:p>
+          <a:p>
             <a:r>
               <a:rPr lang="en-US" altLang="ko-KR" sz="1000" dirty="0"/>
-              <a:t>ON</a:t>
+              <a:t>T0</a:t>
             </a:r>
             <a:r>
               <a:rPr lang="ko-KR" altLang="en-US" sz="1000" dirty="0"/>
-              <a:t>스위치</a:t>
-            </a:r>
-            <a:br>
+              <a:t>가 </a:t>
+            </a:r>
+            <a:r>
               <a:rPr lang="en-US" altLang="ko-KR" sz="1000" dirty="0"/>
-            </a:br>
+              <a:t>5</a:t>
+            </a:r>
+            <a:r>
+              <a:rPr lang="ko-KR" altLang="en-US" sz="1000" dirty="0"/>
+              <a:t>초 뒤 동작</a:t>
+            </a:r>
+            <a:endParaRPr lang="en-US" altLang="ko-KR" sz="1000" dirty="0"/>
+          </a:p>
+          <a:p>
             <a:r>
               <a:rPr lang="en-US" altLang="ko-KR" sz="1000" dirty="0"/>
-              <a:t>X1</a:t>
+              <a:t>Y0(X</a:t>
             </a:r>
             <a:r>
               <a:rPr lang="ko-KR" altLang="en-US" sz="1000" dirty="0"/>
-              <a:t>은 </a:t>
+              <a:t>축</a:t>
             </a:r>
             <a:r>
               <a:rPr lang="en-US" altLang="ko-KR" sz="1000" dirty="0"/>
-              <a:t>OFF</a:t>
+              <a:t>)</a:t>
             </a:r>
             <a:r>
               <a:rPr lang="ko-KR" altLang="en-US" sz="1000" dirty="0"/>
-              <a:t>스위치</a:t>
-            </a:r>
-          </a:p>
-        </p:txBody>
-      </p:sp>
-      <p:sp>
-        <p:nvSpPr>
-          <p:cNvPr id="7" name="TextBox 6">
-            <a:extLst>
-              <a:ext uri="{FF2B5EF4-FFF2-40B4-BE49-F238E27FC236}">
-                <a16:creationId xmlns:a16="http://schemas.microsoft.com/office/drawing/2014/main" id="{3FCDD664-6A25-4D74-B89B-FFC26959B4E5}"/>
+              <a:t>와 </a:t>
+            </a:r>
+            <a:r>
+              <a:rPr lang="en-US" altLang="ko-KR" sz="1000" dirty="0"/>
+              <a:t>Y3( Y</a:t>
+            </a:r>
+            <a:r>
+              <a:rPr lang="ko-KR" altLang="en-US" sz="1000" dirty="0"/>
+              <a:t>축</a:t>
+            </a:r>
+            <a:r>
+              <a:rPr lang="en-US" altLang="ko-KR" sz="1000" dirty="0"/>
+              <a:t>)</a:t>
+            </a:r>
+            <a:r>
+              <a:rPr lang="ko-KR" altLang="en-US" sz="1000" dirty="0"/>
+              <a:t>이 동작</a:t>
+            </a:r>
+            <a:endParaRPr lang="en-US" altLang="ko-KR" sz="1000" dirty="0"/>
+          </a:p>
+          <a:p>
+            <a:r>
+              <a:rPr lang="ko-KR" altLang="en-US" sz="1000" dirty="0" err="1"/>
+              <a:t>적색등</a:t>
+            </a:r>
+            <a:endParaRPr lang="ko-KR" altLang="en-US" sz="1000" dirty="0"/>
+          </a:p>
+        </p:txBody>
+      </p:sp>
+      <p:sp>
+        <p:nvSpPr>
+          <p:cNvPr id="8" name="TextBox 7">
+            <a:extLst>
+              <a:ext uri="{FF2B5EF4-FFF2-40B4-BE49-F238E27FC236}">
+                <a16:creationId xmlns:a16="http://schemas.microsoft.com/office/drawing/2014/main" id="{992450A4-4926-40A5-985E-08500EBAB6DE}"/>
               </a:ext>
             </a:extLst>
           </p:cNvPr>
@@ -4061,8 +4482,8 @@
         </p:nvSpPr>
         <p:spPr>
           <a:xfrm>
-            <a:off x="5686699" y="2111828"/>
-            <a:ext cx="2002971" cy="400110"/>
+            <a:off x="5599759" y="1896088"/>
+            <a:ext cx="2142161" cy="707886"/>
           </a:xfrm>
           <a:prstGeom prst="rect">
             <a:avLst/>
@@ -4077,45 +4498,99 @@
           <a:p>
             <a:r>
               <a:rPr lang="en-US" altLang="ko-KR" sz="1000" dirty="0"/>
-              <a:t>M0</a:t>
+              <a:t>T0</a:t>
             </a:r>
             <a:r>
               <a:rPr lang="ko-KR" altLang="en-US" sz="1000" dirty="0"/>
-              <a:t>에</a:t>
+              <a:t>에 인가 된 뒤 </a:t>
             </a:r>
             <a:r>
               <a:rPr lang="en-US" altLang="ko-KR" sz="1000" dirty="0"/>
-              <a:t> </a:t>
+              <a:t>T1</a:t>
             </a:r>
             <a:r>
               <a:rPr lang="ko-KR" altLang="en-US" sz="1000" dirty="0"/>
-              <a:t>전원이 들어오면 </a:t>
+              <a:t>이 </a:t>
             </a:r>
             <a:r>
               <a:rPr lang="en-US" altLang="ko-KR" sz="1000" dirty="0"/>
-              <a:t>T0</a:t>
+              <a:t>1</a:t>
             </a:r>
             <a:r>
               <a:rPr lang="ko-KR" altLang="en-US" sz="1000" dirty="0"/>
-              <a:t>가 </a:t>
+              <a:t>초 뒤 동작</a:t>
+            </a:r>
+            <a:endParaRPr lang="en-US" altLang="ko-KR" sz="1000" dirty="0"/>
+          </a:p>
+          <a:p>
+            <a:r>
+              <a:rPr lang="ko-KR" altLang="en-US" sz="1000" dirty="0"/>
+              <a:t>또는 </a:t>
             </a:r>
             <a:r>
               <a:rPr lang="en-US" altLang="ko-KR" sz="1000" dirty="0"/>
-              <a:t>5</a:t>
+              <a:t>T3 1</a:t>
+            </a:r>
+            <a:r>
+              <a:rPr lang="ko-KR" altLang="en-US" sz="1000" dirty="0" err="1"/>
+              <a:t>초뒤</a:t>
             </a:r>
             <a:r>
               <a:rPr lang="ko-KR" altLang="en-US" sz="1000" dirty="0"/>
-              <a:t>초 동안 동작</a:t>
-            </a:r>
-          </a:p>
-        </p:txBody>
-      </p:sp>
-      <p:sp>
-        <p:nvSpPr>
-          <p:cNvPr id="8" name="TextBox 7">
-            <a:extLst>
-              <a:ext uri="{FF2B5EF4-FFF2-40B4-BE49-F238E27FC236}">
-                <a16:creationId xmlns:a16="http://schemas.microsoft.com/office/drawing/2014/main" id="{E3524894-3BDF-42B3-AF7F-0724C27CBC91}"/>
+              <a:t> 동작</a:t>
+            </a:r>
+            <a:endParaRPr lang="en-US" altLang="ko-KR" sz="1000" dirty="0"/>
+          </a:p>
+          <a:p>
+            <a:r>
+              <a:rPr lang="en-US" altLang="ko-KR" sz="1000" dirty="0"/>
+              <a:t>Y1(X</a:t>
+            </a:r>
+            <a:r>
+              <a:rPr lang="ko-KR" altLang="en-US" sz="1000" dirty="0"/>
+              <a:t>축</a:t>
+            </a:r>
+            <a:r>
+              <a:rPr lang="en-US" altLang="ko-KR" sz="1000" dirty="0"/>
+              <a:t>)</a:t>
+            </a:r>
+            <a:r>
+              <a:rPr lang="ko-KR" altLang="en-US" sz="1000" dirty="0"/>
+              <a:t>와 </a:t>
+            </a:r>
+            <a:r>
+              <a:rPr lang="en-US" altLang="ko-KR" sz="1000" dirty="0"/>
+              <a:t>Y4( Y</a:t>
+            </a:r>
+            <a:r>
+              <a:rPr lang="ko-KR" altLang="en-US" sz="1000" dirty="0"/>
+              <a:t>축</a:t>
+            </a:r>
+            <a:r>
+              <a:rPr lang="en-US" altLang="ko-KR" sz="1000" dirty="0"/>
+              <a:t>)</a:t>
+            </a:r>
+            <a:r>
+              <a:rPr lang="ko-KR" altLang="en-US" sz="1000" dirty="0"/>
+              <a:t>이 동작</a:t>
+            </a:r>
+            <a:endParaRPr lang="en-US" altLang="ko-KR" sz="1000" dirty="0"/>
+          </a:p>
+          <a:p>
+            <a:r>
+              <a:rPr lang="ko-KR" altLang="en-US" sz="1000" dirty="0" err="1"/>
+              <a:t>노랑등</a:t>
+            </a:r>
+            <a:endParaRPr lang="ko-KR" altLang="en-US" sz="1000" dirty="0"/>
+          </a:p>
+        </p:txBody>
+      </p:sp>
+      <p:sp>
+        <p:nvSpPr>
+          <p:cNvPr id="9" name="TextBox 8">
+            <a:extLst>
+              <a:ext uri="{FF2B5EF4-FFF2-40B4-BE49-F238E27FC236}">
+                <a16:creationId xmlns:a16="http://schemas.microsoft.com/office/drawing/2014/main" id="{8B882FAB-4F01-4095-9EC6-DFC35F078DF8}"/>
               </a:ext>
             </a:extLst>
           </p:cNvPr>
@@ -4124,8 +4599,8 @@
         </p:nvSpPr>
         <p:spPr>
           <a:xfrm>
-            <a:off x="5634445" y="3228945"/>
-            <a:ext cx="2002971" cy="246221"/>
+            <a:off x="5599759" y="3398631"/>
+            <a:ext cx="2142161" cy="707886"/>
           </a:xfrm>
           <a:prstGeom prst="rect">
             <a:avLst/>
@@ -4140,19 +4615,54 @@
           <a:p>
             <a:r>
               <a:rPr lang="en-US" altLang="ko-KR" sz="1000" dirty="0"/>
-              <a:t>T0 5</a:t>
+              <a:t>T1</a:t>
             </a:r>
             <a:r>
               <a:rPr lang="ko-KR" altLang="en-US" sz="1000" dirty="0"/>
-              <a:t>초 뒤 </a:t>
+              <a:t>에 인가 후 </a:t>
             </a:r>
             <a:r>
               <a:rPr lang="en-US" altLang="ko-KR" sz="1000" dirty="0"/>
-              <a:t>T1</a:t>
+              <a:t>Y2(X</a:t>
             </a:r>
             <a:r>
               <a:rPr lang="ko-KR" altLang="en-US" sz="1000" dirty="0"/>
-              <a:t>이 </a:t>
+              <a:t>축</a:t>
+            </a:r>
+            <a:r>
+              <a:rPr lang="en-US" altLang="ko-KR" sz="1000" dirty="0"/>
+              <a:t>)</a:t>
+            </a:r>
+            <a:r>
+              <a:rPr lang="ko-KR" altLang="en-US" sz="1000" dirty="0"/>
+              <a:t>와 </a:t>
+            </a:r>
+            <a:r>
+              <a:rPr lang="en-US" altLang="ko-KR" sz="1000" dirty="0"/>
+              <a:t>Y5( Y</a:t>
+            </a:r>
+            <a:r>
+              <a:rPr lang="ko-KR" altLang="en-US" sz="1000" dirty="0"/>
+              <a:t>축</a:t>
+            </a:r>
+            <a:r>
+              <a:rPr lang="en-US" altLang="ko-KR" sz="1000" dirty="0"/>
+              <a:t>)</a:t>
+            </a:r>
+            <a:r>
+              <a:rPr lang="ko-KR" altLang="en-US" sz="1000" dirty="0"/>
+              <a:t>이 동작</a:t>
+            </a:r>
+            <a:endParaRPr lang="en-US" altLang="ko-KR" sz="1000" dirty="0"/>
+          </a:p>
+          <a:p>
+            <a:r>
+              <a:rPr lang="en-US" altLang="ko-KR" sz="1000" dirty="0"/>
+              <a:t>T3</a:t>
+            </a:r>
+            <a:r>
+              <a:rPr lang="ko-KR" altLang="en-US" sz="1000" dirty="0"/>
+              <a:t>가 </a:t>
             </a:r>
             <a:r>
               <a:rPr lang="en-US" altLang="ko-KR" sz="1000" dirty="0"/>
@@ -4160,8 +4670,16 @@
             </a:r>
             <a:r>
               <a:rPr lang="ko-KR" altLang="en-US" sz="1000" dirty="0"/>
-              <a:t>초 동안 동작</a:t>
-            </a:r>
+              <a:t>초 뒤 전원 차단</a:t>
+            </a:r>
+            <a:endParaRPr lang="en-US" altLang="ko-KR" sz="1000" dirty="0"/>
+          </a:p>
+          <a:p>
+            <a:r>
+              <a:rPr lang="ko-KR" altLang="en-US" sz="1000" dirty="0" err="1"/>
+              <a:t>청녹등</a:t>
+            </a:r>
+            <a:endParaRPr lang="ko-KR" altLang="en-US" sz="1000" dirty="0"/>
           </a:p>
         </p:txBody>
       </p:sp>
@@ -4170,7 +4688,7 @@
           <p:cNvPr id="10" name="TextBox 9">
             <a:extLst>
               <a:ext uri="{FF2B5EF4-FFF2-40B4-BE49-F238E27FC236}">
-                <a16:creationId xmlns:a16="http://schemas.microsoft.com/office/drawing/2014/main" id="{FE14D628-82FC-41EF-A749-BBA554208704}"/>
+                <a16:creationId xmlns:a16="http://schemas.microsoft.com/office/drawing/2014/main" id="{393C170B-BB9F-464A-A815-16D6E5945677}"/>
               </a:ext>
             </a:extLst>
           </p:cNvPr>
@@ -4179,8 +4697,8 @@
         </p:nvSpPr>
         <p:spPr>
           <a:xfrm>
-            <a:off x="5686699" y="4192173"/>
-            <a:ext cx="2002971" cy="246221"/>
+            <a:off x="5652655" y="4901174"/>
+            <a:ext cx="2142161" cy="246221"/>
           </a:xfrm>
           <a:prstGeom prst="rect">
             <a:avLst/>
@@ -4195,28 +4713,29 @@
           <a:p>
             <a:r>
               <a:rPr lang="en-US" altLang="ko-KR" sz="1000" dirty="0"/>
-              <a:t>T1 1</a:t>
+              <a:t>Y2</a:t>
             </a:r>
             <a:r>
               <a:rPr lang="ko-KR" altLang="en-US" sz="1000" dirty="0"/>
-              <a:t>초 뒤 </a:t>
+              <a:t>가 인가 되면 </a:t>
             </a:r>
             <a:r>
               <a:rPr lang="en-US" altLang="ko-KR" sz="1000" dirty="0"/>
-              <a:t>T2</a:t>
+              <a:t>D0</a:t>
             </a:r>
             <a:r>
               <a:rPr lang="ko-KR" altLang="en-US" sz="1000" dirty="0"/>
-              <a:t>가 </a:t>
+              <a:t>에 </a:t>
             </a:r>
             <a:r>
               <a:rPr lang="en-US" altLang="ko-KR" sz="1000" dirty="0"/>
-              <a:t>5</a:t>
+              <a:t>1</a:t>
             </a:r>
             <a:r>
               <a:rPr lang="ko-KR" altLang="en-US" sz="1000" dirty="0"/>
-              <a:t>초 동안 동작</a:t>
-            </a:r>
+              <a:t>펄스 상승</a:t>
+            </a:r>
+            <a:endParaRPr lang="en-US" altLang="ko-KR" sz="1000" dirty="0"/>
           </a:p>
         </p:txBody>
       </p:sp>
@@ -4225,7 +4744,7 @@
           <p:cNvPr id="11" name="TextBox 10">
             <a:extLst>
               <a:ext uri="{FF2B5EF4-FFF2-40B4-BE49-F238E27FC236}">
-                <a16:creationId xmlns:a16="http://schemas.microsoft.com/office/drawing/2014/main" id="{74E96317-8B6A-45AB-84D5-5C2ACA38812A}"/>
+                <a16:creationId xmlns:a16="http://schemas.microsoft.com/office/drawing/2014/main" id="{17B953B4-AF39-4DDF-953A-A5DD289D1D27}"/>
               </a:ext>
             </a:extLst>
           </p:cNvPr>
@@ -4234,8 +4753,8 @@
         </p:nvSpPr>
         <p:spPr>
           <a:xfrm>
-            <a:off x="5686699" y="5155401"/>
-            <a:ext cx="2002971" cy="246221"/>
+            <a:off x="5652655" y="5479477"/>
+            <a:ext cx="2142161" cy="400110"/>
           </a:xfrm>
           <a:prstGeom prst="rect">
             <a:avLst/>
@@ -4249,29 +4768,42 @@
           <a:lstStyle/>
           <a:p>
             <a:r>
+              <a:rPr lang="ko-KR" altLang="en-US" sz="1000" dirty="0"/>
+              <a:t>입력 접점 </a:t>
+            </a:r>
+            <a:r>
               <a:rPr lang="en-US" altLang="ko-KR" sz="1000" dirty="0"/>
-              <a:t>T2 5</a:t>
+              <a:t>Y2</a:t>
             </a:r>
             <a:r>
               <a:rPr lang="ko-KR" altLang="en-US" sz="1000" dirty="0"/>
-              <a:t>초 뒤 </a:t>
+              <a:t>가 입력되면 </a:t>
             </a:r>
             <a:r>
               <a:rPr lang="en-US" altLang="ko-KR" sz="1000" dirty="0"/>
-              <a:t>T3</a:t>
+              <a:t>T</a:t>
             </a:r>
             <a:r>
               <a:rPr lang="ko-KR" altLang="en-US" sz="1000" dirty="0"/>
-              <a:t>가 </a:t>
+              <a:t>초 뒤의 </a:t>
+            </a:r>
+            <a:r>
+              <a:rPr lang="ko-KR" altLang="en-US" sz="1000" dirty="0" err="1"/>
+              <a:t>시간값</a:t>
+            </a:r>
+            <a:r>
+              <a:rPr lang="ko-KR" altLang="en-US" sz="1000" dirty="0"/>
+              <a:t> </a:t>
             </a:r>
             <a:r>
               <a:rPr lang="en-US" altLang="ko-KR" sz="1000" dirty="0"/>
-              <a:t>1</a:t>
+              <a:t>D0</a:t>
             </a:r>
             <a:r>
               <a:rPr lang="ko-KR" altLang="en-US" sz="1000" dirty="0"/>
-              <a:t>초 동안 동작</a:t>
-            </a:r>
+              <a:t>에 전달</a:t>
+            </a:r>
+            <a:endParaRPr lang="en-US" altLang="ko-KR" sz="1000" dirty="0"/>
           </a:p>
         </p:txBody>
       </p:sp>
@@ -4280,7 +4812,7 @@
           <p:cNvPr id="12" name="TextBox 11">
             <a:extLst>
               <a:ext uri="{FF2B5EF4-FFF2-40B4-BE49-F238E27FC236}">
-                <a16:creationId xmlns:a16="http://schemas.microsoft.com/office/drawing/2014/main" id="{49DB6FF5-B54A-4786-8115-3E9E8A993CE3}"/>
+                <a16:creationId xmlns:a16="http://schemas.microsoft.com/office/drawing/2014/main" id="{10B99936-3F0F-4F87-85C8-7388F7580CEB}"/>
               </a:ext>
             </a:extLst>
           </p:cNvPr>
@@ -4289,8 +4821,8 @@
         </p:nvSpPr>
         <p:spPr>
           <a:xfrm>
-            <a:off x="5686699" y="6150225"/>
-            <a:ext cx="2002971" cy="246221"/>
+            <a:off x="5652655" y="6211669"/>
+            <a:ext cx="2142161" cy="246221"/>
           </a:xfrm>
           <a:prstGeom prst="rect">
             <a:avLst/>
@@ -4305,35 +4837,36 @@
           <a:p>
             <a:r>
               <a:rPr lang="en-US" altLang="ko-KR" sz="1000" dirty="0"/>
-              <a:t>T3 1</a:t>
+              <a:t>M0</a:t>
             </a:r>
             <a:r>
               <a:rPr lang="ko-KR" altLang="en-US" sz="1000" dirty="0"/>
-              <a:t>초 뒤 </a:t>
+              <a:t>동작 시 </a:t>
             </a:r>
             <a:r>
               <a:rPr lang="en-US" altLang="ko-KR" sz="1000" dirty="0"/>
-              <a:t>T4</a:t>
+              <a:t>Y7(</a:t>
             </a:r>
             <a:r>
               <a:rPr lang="ko-KR" altLang="en-US" sz="1000" dirty="0"/>
-              <a:t>가 </a:t>
+              <a:t>차량</a:t>
             </a:r>
             <a:r>
               <a:rPr lang="en-US" altLang="ko-KR" sz="1000" dirty="0"/>
-              <a:t>5</a:t>
+              <a:t>) </a:t>
             </a:r>
             <a:r>
               <a:rPr lang="ko-KR" altLang="en-US" sz="1000" dirty="0"/>
-              <a:t>초 동안 동작</a:t>
-            </a:r>
+              <a:t>동작</a:t>
+            </a:r>
+            <a:endParaRPr lang="en-US" altLang="ko-KR" sz="1000" dirty="0"/>
           </a:p>
         </p:txBody>
       </p:sp>
     </p:spTree>
     <p:extLst>
       <p:ext uri="{BB962C8B-B14F-4D97-AF65-F5344CB8AC3E}">
-        <p14:creationId xmlns:p14="http://schemas.microsoft.com/office/powerpoint/2010/main" val="1813197186"/>
+        <p14:creationId xmlns:p14="http://schemas.microsoft.com/office/powerpoint/2010/main" val="664366603"/>
       </p:ext>
     </p:extLst>
   </p:cSld>
@@ -4401,7 +4934,7 @@
           <p:cNvPr id="4" name="그림 3">
             <a:extLst>
               <a:ext uri="{FF2B5EF4-FFF2-40B4-BE49-F238E27FC236}">
-                <a16:creationId xmlns:a16="http://schemas.microsoft.com/office/drawing/2014/main" id="{3ACDB2F6-F019-424F-99C2-E04E57EFC4F0}"/>
+                <a16:creationId xmlns:a16="http://schemas.microsoft.com/office/drawing/2014/main" id="{5E934C58-6690-4D8F-9681-6E29C6F26C8F}"/>
               </a:ext>
             </a:extLst>
           </p:cNvPr>
@@ -4424,8 +4957,8 @@
         </p:blipFill>
         <p:spPr>
           <a:xfrm>
-            <a:off x="0" y="0"/>
-            <a:ext cx="5652655" cy="6858000"/>
+            <a:off x="0" y="549796"/>
+            <a:ext cx="5590903" cy="5294405"/>
           </a:xfrm>
           <a:prstGeom prst="rect">
             <a:avLst/>
@@ -4437,7 +4970,7 @@
           <p:cNvPr id="7" name="TextBox 6">
             <a:extLst>
               <a:ext uri="{FF2B5EF4-FFF2-40B4-BE49-F238E27FC236}">
-                <a16:creationId xmlns:a16="http://schemas.microsoft.com/office/drawing/2014/main" id="{2F5F832E-C119-4661-BC7E-960A1D539543}"/>
+                <a16:creationId xmlns:a16="http://schemas.microsoft.com/office/drawing/2014/main" id="{46D583AF-DB95-4FFB-9F59-124A396A2880}"/>
               </a:ext>
             </a:extLst>
           </p:cNvPr>
@@ -4446,8 +4979,8 @@
         </p:nvSpPr>
         <p:spPr>
           <a:xfrm>
-            <a:off x="5537861" y="489654"/>
-            <a:ext cx="2002971" cy="707886"/>
+            <a:off x="5530018" y="947062"/>
+            <a:ext cx="2142161" cy="246221"/>
           </a:xfrm>
           <a:prstGeom prst="rect">
             <a:avLst/>
@@ -4462,18 +4995,7 @@
           <a:p>
             <a:r>
               <a:rPr lang="en-US" altLang="ko-KR" sz="1000" dirty="0"/>
-              <a:t>M0</a:t>
-            </a:r>
-            <a:r>
-              <a:rPr lang="ko-KR" altLang="en-US" sz="1000" dirty="0"/>
-              <a:t>에 전원 인가 후 </a:t>
-            </a:r>
-            <a:endParaRPr lang="en-US" altLang="ko-KR" sz="1000" dirty="0"/>
-          </a:p>
-          <a:p>
-            <a:r>
-              <a:rPr lang="en-US" altLang="ko-KR" sz="1000" dirty="0"/>
-              <a:t>T0</a:t>
+              <a:t>Y3</a:t>
             </a:r>
             <a:r>
               <a:rPr lang="ko-KR" altLang="en-US" sz="1000" dirty="0"/>
@@ -4481,56 +5003,30 @@
             </a:r>
             <a:r>
               <a:rPr lang="en-US" altLang="ko-KR" sz="1000" dirty="0"/>
-              <a:t>5</a:t>
+              <a:t>OFF</a:t>
             </a:r>
             <a:r>
               <a:rPr lang="ko-KR" altLang="en-US" sz="1000" dirty="0"/>
-              <a:t>초 뒤 동작</a:t>
+              <a:t>하면 </a:t>
+            </a:r>
+            <a:r>
+              <a:rPr lang="en-US" altLang="ko-KR" sz="1000" dirty="0"/>
+              <a:t>T</a:t>
+            </a:r>
+            <a:r>
+              <a:rPr lang="ko-KR" altLang="en-US" sz="1000" dirty="0"/>
+              <a:t>초 뒤 </a:t>
+            </a:r>
+            <a:r>
+              <a:rPr lang="en-US" altLang="ko-KR" sz="1000" dirty="0"/>
+              <a:t>D1</a:t>
+            </a:r>
+            <a:r>
+              <a:rPr lang="ko-KR" altLang="en-US" sz="1000" dirty="0"/>
+              <a:t>에 전달 </a:t>
             </a:r>
             <a:endParaRPr lang="en-US" altLang="ko-KR" sz="1000" dirty="0"/>
           </a:p>
-          <a:p>
-            <a:r>
-              <a:rPr lang="en-US" altLang="ko-KR" sz="1000" dirty="0"/>
-              <a:t>Y0(X</a:t>
-            </a:r>
-            <a:r>
-              <a:rPr lang="ko-KR" altLang="en-US" sz="1000" dirty="0"/>
-              <a:t>축</a:t>
-            </a:r>
-            <a:r>
-              <a:rPr lang="en-US" altLang="ko-KR" sz="1000" dirty="0"/>
-              <a:t>)</a:t>
-            </a:r>
-            <a:r>
-              <a:rPr lang="ko-KR" altLang="en-US" sz="1000" dirty="0"/>
-              <a:t>와 </a:t>
-            </a:r>
-            <a:r>
-              <a:rPr lang="en-US" altLang="ko-KR" sz="1000" dirty="0"/>
-              <a:t>Y3( Y</a:t>
-            </a:r>
-            <a:r>
-              <a:rPr lang="ko-KR" altLang="en-US" sz="1000" dirty="0"/>
-              <a:t>축</a:t>
-            </a:r>
-            <a:r>
-              <a:rPr lang="en-US" altLang="ko-KR" sz="1000" dirty="0"/>
-              <a:t>)</a:t>
-            </a:r>
-            <a:r>
-              <a:rPr lang="ko-KR" altLang="en-US" sz="1000" dirty="0"/>
-              <a:t>이 동작</a:t>
-            </a:r>
-            <a:endParaRPr lang="en-US" altLang="ko-KR" sz="1000" dirty="0"/>
-          </a:p>
-          <a:p>
-            <a:r>
-              <a:rPr lang="ko-KR" altLang="en-US" sz="1000" dirty="0" err="1"/>
-              <a:t>적색등</a:t>
-            </a:r>
-            <a:endParaRPr lang="ko-KR" altLang="en-US" sz="1000" dirty="0"/>
-          </a:p>
         </p:txBody>
       </p:sp>
       <p:sp>
@@ -4538,7 +5034,7 @@
           <p:cNvPr id="8" name="TextBox 7">
             <a:extLst>
               <a:ext uri="{FF2B5EF4-FFF2-40B4-BE49-F238E27FC236}">
-                <a16:creationId xmlns:a16="http://schemas.microsoft.com/office/drawing/2014/main" id="{992450A4-4926-40A5-985E-08500EBAB6DE}"/>
+                <a16:creationId xmlns:a16="http://schemas.microsoft.com/office/drawing/2014/main" id="{961FA55E-4313-48FA-BE5B-E9F47F9D3B9F}"/>
               </a:ext>
             </a:extLst>
           </p:cNvPr>
@@ -4547,8 +5043,8 @@
         </p:nvSpPr>
         <p:spPr>
           <a:xfrm>
-            <a:off x="5599759" y="1896088"/>
-            <a:ext cx="2142161" cy="707886"/>
+            <a:off x="5530017" y="3073887"/>
+            <a:ext cx="2142161" cy="246221"/>
           </a:xfrm>
           <a:prstGeom prst="rect">
             <a:avLst/>
@@ -4563,91 +5059,30 @@
           <a:p>
             <a:r>
               <a:rPr lang="en-US" altLang="ko-KR" sz="1000" dirty="0"/>
-              <a:t>T0</a:t>
+              <a:t>D0</a:t>
             </a:r>
             <a:r>
               <a:rPr lang="ko-KR" altLang="en-US" sz="1000" dirty="0"/>
-              <a:t>에 인가 된 뒤 </a:t>
+              <a:t>에 </a:t>
             </a:r>
             <a:r>
               <a:rPr lang="en-US" altLang="ko-KR" sz="1000" dirty="0"/>
-              <a:t>T1</a:t>
+              <a:t>T</a:t>
             </a:r>
             <a:r>
               <a:rPr lang="ko-KR" altLang="en-US" sz="1000" dirty="0"/>
-              <a:t>이 </a:t>
+              <a:t>초 뒤 같아지면 </a:t>
             </a:r>
             <a:r>
               <a:rPr lang="en-US" altLang="ko-KR" sz="1000" dirty="0"/>
-              <a:t>1</a:t>
+              <a:t>D0</a:t>
             </a:r>
             <a:r>
               <a:rPr lang="ko-KR" altLang="en-US" sz="1000" dirty="0"/>
-              <a:t>초 뒤 동작</a:t>
+              <a:t>가 동작 </a:t>
             </a:r>
             <a:endParaRPr lang="en-US" altLang="ko-KR" sz="1000" dirty="0"/>
           </a:p>
-          <a:p>
-            <a:r>
-              <a:rPr lang="ko-KR" altLang="en-US" sz="1000" dirty="0"/>
-              <a:t>또는 </a:t>
-            </a:r>
-            <a:r>
-              <a:rPr lang="en-US" altLang="ko-KR" sz="1000" dirty="0"/>
-              <a:t>T3 1</a:t>
-            </a:r>
-            <a:r>
-              <a:rPr lang="ko-KR" altLang="en-US" sz="1000" dirty="0" err="1"/>
-              <a:t>초뒤</a:t>
-            </a:r>
-            <a:r>
-              <a:rPr lang="ko-KR" altLang="en-US" sz="1000" dirty="0"/>
-              <a:t> 동작</a:t>
-            </a:r>
-            <a:endParaRPr lang="en-US" altLang="ko-KR" sz="1000" dirty="0"/>
-          </a:p>
-          <a:p>
-            <a:r>
-              <a:rPr lang="en-US" altLang="ko-KR" sz="1000" dirty="0"/>
-              <a:t>Y1(X</a:t>
-            </a:r>
-            <a:r>
-              <a:rPr lang="ko-KR" altLang="en-US" sz="1000" dirty="0"/>
-              <a:t>축</a:t>
-            </a:r>
-            <a:r>
-              <a:rPr lang="en-US" altLang="ko-KR" sz="1000" dirty="0"/>
-              <a:t>)</a:t>
-            </a:r>
-            <a:r>
-              <a:rPr lang="ko-KR" altLang="en-US" sz="1000" dirty="0"/>
-              <a:t>와 </a:t>
-            </a:r>
-            <a:r>
-              <a:rPr lang="en-US" altLang="ko-KR" sz="1000" dirty="0"/>
-              <a:t>Y4( Y</a:t>
-            </a:r>
-            <a:r>
-              <a:rPr lang="ko-KR" altLang="en-US" sz="1000" dirty="0"/>
-              <a:t>축</a:t>
-            </a:r>
-            <a:r>
-              <a:rPr lang="en-US" altLang="ko-KR" sz="1000" dirty="0"/>
-              <a:t>)</a:t>
-            </a:r>
-            <a:r>
-              <a:rPr lang="ko-KR" altLang="en-US" sz="1000" dirty="0"/>
-              <a:t>이 동작</a:t>
-            </a:r>
-            <a:endParaRPr lang="en-US" altLang="ko-KR" sz="1000" dirty="0"/>
-          </a:p>
-          <a:p>
-            <a:r>
-              <a:rPr lang="ko-KR" altLang="en-US" sz="1000" dirty="0" err="1"/>
-              <a:t>노랑등</a:t>
-            </a:r>
-            <a:endParaRPr lang="ko-KR" altLang="en-US" sz="1000" dirty="0"/>
-          </a:p>
         </p:txBody>
       </p:sp>
       <p:sp>
@@ -4655,7 +5090,7 @@
           <p:cNvPr id="9" name="TextBox 8">
             <a:extLst>
               <a:ext uri="{FF2B5EF4-FFF2-40B4-BE49-F238E27FC236}">
-                <a16:creationId xmlns:a16="http://schemas.microsoft.com/office/drawing/2014/main" id="{8B882FAB-4F01-4095-9EC6-DFC35F078DF8}"/>
+                <a16:creationId xmlns:a16="http://schemas.microsoft.com/office/drawing/2014/main" id="{0C2387C9-8CB3-47DF-A952-F42FB6F7E565}"/>
               </a:ext>
             </a:extLst>
           </p:cNvPr>
@@ -4664,8 +5099,8 @@
         </p:nvSpPr>
         <p:spPr>
           <a:xfrm>
-            <a:off x="5599759" y="3398631"/>
-            <a:ext cx="2142161" cy="707886"/>
+            <a:off x="5530016" y="4112627"/>
+            <a:ext cx="2142161" cy="246221"/>
           </a:xfrm>
           <a:prstGeom prst="rect">
             <a:avLst/>
@@ -4680,249 +5115,19 @@
           <a:p>
             <a:r>
               <a:rPr lang="en-US" altLang="ko-KR" sz="1000" dirty="0"/>
-              <a:t>T1</a:t>
+              <a:t>Y3</a:t>
             </a:r>
             <a:r>
               <a:rPr lang="ko-KR" altLang="en-US" sz="1000" dirty="0"/>
-              <a:t>에 인가 후 </a:t>
+              <a:t>가 동작하면 </a:t>
             </a:r>
             <a:r>
               <a:rPr lang="en-US" altLang="ko-KR" sz="1000" dirty="0"/>
-              <a:t>Y2(X</a:t>
+              <a:t>D1</a:t>
             </a:r>
             <a:r>
               <a:rPr lang="ko-KR" altLang="en-US" sz="1000" dirty="0"/>
-              <a:t>축</a:t>
-            </a:r>
-            <a:r>
-              <a:rPr lang="en-US" altLang="ko-KR" sz="1000" dirty="0"/>
-              <a:t>)</a:t>
-            </a:r>
-            <a:r>
-              <a:rPr lang="ko-KR" altLang="en-US" sz="1000" dirty="0"/>
-              <a:t>와 </a:t>
-            </a:r>
-            <a:r>
-              <a:rPr lang="en-US" altLang="ko-KR" sz="1000" dirty="0"/>
-              <a:t>Y5( Y</a:t>
-            </a:r>
-            <a:r>
-              <a:rPr lang="ko-KR" altLang="en-US" sz="1000" dirty="0"/>
-              <a:t>축</a:t>
-            </a:r>
-            <a:r>
-              <a:rPr lang="en-US" altLang="ko-KR" sz="1000" dirty="0"/>
-              <a:t>)</a:t>
-            </a:r>
-            <a:r>
-              <a:rPr lang="ko-KR" altLang="en-US" sz="1000" dirty="0"/>
-              <a:t>이 동작</a:t>
-            </a:r>
-            <a:endParaRPr lang="en-US" altLang="ko-KR" sz="1000" dirty="0"/>
-          </a:p>
-          <a:p>
-            <a:r>
-              <a:rPr lang="en-US" altLang="ko-KR" sz="1000" dirty="0"/>
-              <a:t>T3</a:t>
-            </a:r>
-            <a:r>
-              <a:rPr lang="ko-KR" altLang="en-US" sz="1000" dirty="0"/>
-              <a:t>가 </a:t>
-            </a:r>
-            <a:r>
-              <a:rPr lang="en-US" altLang="ko-KR" sz="1000" dirty="0"/>
-              <a:t>1</a:t>
-            </a:r>
-            <a:r>
-              <a:rPr lang="ko-KR" altLang="en-US" sz="1000" dirty="0"/>
-              <a:t>초 뒤 전원 차단</a:t>
-            </a:r>
-            <a:endParaRPr lang="en-US" altLang="ko-KR" sz="1000" dirty="0"/>
-          </a:p>
-          <a:p>
-            <a:r>
-              <a:rPr lang="ko-KR" altLang="en-US" sz="1000" dirty="0" err="1"/>
-              <a:t>청녹등</a:t>
-            </a:r>
-            <a:endParaRPr lang="ko-KR" altLang="en-US" sz="1000" dirty="0"/>
-          </a:p>
-        </p:txBody>
-      </p:sp>
-      <p:sp>
-        <p:nvSpPr>
-          <p:cNvPr id="10" name="TextBox 9">
-            <a:extLst>
-              <a:ext uri="{FF2B5EF4-FFF2-40B4-BE49-F238E27FC236}">
-                <a16:creationId xmlns:a16="http://schemas.microsoft.com/office/drawing/2014/main" id="{393C170B-BB9F-464A-A815-16D6E5945677}"/>
-              </a:ext>
-            </a:extLst>
-          </p:cNvPr>
-          <p:cNvSpPr txBox="1"/>
-          <p:nvPr/>
-        </p:nvSpPr>
-        <p:spPr>
-          <a:xfrm>
-            <a:off x="5652655" y="4901174"/>
-            <a:ext cx="2142161" cy="246221"/>
-          </a:xfrm>
-          <a:prstGeom prst="rect">
-            <a:avLst/>
-          </a:prstGeom>
-          <a:noFill/>
-        </p:spPr>
-        <p:txBody>
-          <a:bodyPr wrap="square" rtlCol="0">
-            <a:spAutoFit/>
-          </a:bodyPr>
-          <a:lstStyle/>
-          <a:p>
-            <a:r>
-              <a:rPr lang="en-US" altLang="ko-KR" sz="1000" dirty="0"/>
-              <a:t>Y2</a:t>
-            </a:r>
-            <a:r>
-              <a:rPr lang="ko-KR" altLang="en-US" sz="1000" dirty="0"/>
-              <a:t>가 인가 되면 </a:t>
-            </a:r>
-            <a:r>
-              <a:rPr lang="en-US" altLang="ko-KR" sz="1000" dirty="0"/>
-              <a:t>D0</a:t>
-            </a:r>
-            <a:r>
-              <a:rPr lang="ko-KR" altLang="en-US" sz="1000" dirty="0"/>
-              <a:t>에 </a:t>
-            </a:r>
-            <a:r>
-              <a:rPr lang="en-US" altLang="ko-KR" sz="1000" dirty="0"/>
-              <a:t>1</a:t>
-            </a:r>
-            <a:r>
-              <a:rPr lang="ko-KR" altLang="en-US" sz="1000" dirty="0"/>
-              <a:t>펄스 상승</a:t>
-            </a:r>
-            <a:endParaRPr lang="en-US" altLang="ko-KR" sz="1000" dirty="0"/>
-          </a:p>
-        </p:txBody>
-      </p:sp>
-      <p:sp>
-        <p:nvSpPr>
-          <p:cNvPr id="11" name="TextBox 10">
-            <a:extLst>
-              <a:ext uri="{FF2B5EF4-FFF2-40B4-BE49-F238E27FC236}">
-                <a16:creationId xmlns:a16="http://schemas.microsoft.com/office/drawing/2014/main" id="{17B953B4-AF39-4DDF-953A-A5DD289D1D27}"/>
-              </a:ext>
-            </a:extLst>
-          </p:cNvPr>
-          <p:cNvSpPr txBox="1"/>
-          <p:nvPr/>
-        </p:nvSpPr>
-        <p:spPr>
-          <a:xfrm>
-            <a:off x="5652655" y="5479477"/>
-            <a:ext cx="2142161" cy="400110"/>
-          </a:xfrm>
-          <a:prstGeom prst="rect">
-            <a:avLst/>
-          </a:prstGeom>
-          <a:noFill/>
-        </p:spPr>
-        <p:txBody>
-          <a:bodyPr wrap="square" rtlCol="0">
-            <a:spAutoFit/>
-          </a:bodyPr>
-          <a:lstStyle/>
-          <a:p>
-            <a:r>
-              <a:rPr lang="ko-KR" altLang="en-US" sz="1000" dirty="0"/>
-              <a:t>입력 접점 </a:t>
-            </a:r>
-            <a:r>
-              <a:rPr lang="en-US" altLang="ko-KR" sz="1000" dirty="0"/>
-              <a:t>Y2</a:t>
-            </a:r>
-            <a:r>
-              <a:rPr lang="ko-KR" altLang="en-US" sz="1000" dirty="0"/>
-              <a:t>가 입력되면 </a:t>
-            </a:r>
-            <a:r>
-              <a:rPr lang="en-US" altLang="ko-KR" sz="1000" dirty="0"/>
-              <a:t>T</a:t>
-            </a:r>
-            <a:r>
-              <a:rPr lang="ko-KR" altLang="en-US" sz="1000" dirty="0"/>
-              <a:t>초 뒤의 </a:t>
-            </a:r>
-            <a:r>
-              <a:rPr lang="ko-KR" altLang="en-US" sz="1000" dirty="0" err="1"/>
-              <a:t>시간값</a:t>
-            </a:r>
-            <a:r>
-              <a:rPr lang="ko-KR" altLang="en-US" sz="1000" dirty="0"/>
-              <a:t> </a:t>
-            </a:r>
-            <a:r>
-              <a:rPr lang="en-US" altLang="ko-KR" sz="1000" dirty="0"/>
-              <a:t>D0</a:t>
-            </a:r>
-            <a:r>
-              <a:rPr lang="ko-KR" altLang="en-US" sz="1000" dirty="0"/>
-              <a:t>에 전달</a:t>
-            </a:r>
-            <a:endParaRPr lang="en-US" altLang="ko-KR" sz="1000" dirty="0"/>
-          </a:p>
-        </p:txBody>
-      </p:sp>
-      <p:sp>
-        <p:nvSpPr>
-          <p:cNvPr id="12" name="TextBox 11">
-            <a:extLst>
-              <a:ext uri="{FF2B5EF4-FFF2-40B4-BE49-F238E27FC236}">
-                <a16:creationId xmlns:a16="http://schemas.microsoft.com/office/drawing/2014/main" id="{10B99936-3F0F-4F87-85C8-7388F7580CEB}"/>
-              </a:ext>
-            </a:extLst>
-          </p:cNvPr>
-          <p:cNvSpPr txBox="1"/>
-          <p:nvPr/>
-        </p:nvSpPr>
-        <p:spPr>
-          <a:xfrm>
-            <a:off x="5652655" y="6211669"/>
-            <a:ext cx="2142161" cy="246221"/>
-          </a:xfrm>
-          <a:prstGeom prst="rect">
-            <a:avLst/>
-          </a:prstGeom>
-          <a:noFill/>
-        </p:spPr>
-        <p:txBody>
-          <a:bodyPr wrap="square" rtlCol="0">
-            <a:spAutoFit/>
-          </a:bodyPr>
-          <a:lstStyle/>
-          <a:p>
-            <a:r>
-              <a:rPr lang="en-US" altLang="ko-KR" sz="1000" dirty="0"/>
-              <a:t>M0</a:t>
-            </a:r>
-            <a:r>
-              <a:rPr lang="ko-KR" altLang="en-US" sz="1000" dirty="0"/>
-              <a:t>동작 시 </a:t>
-            </a:r>
-            <a:r>
-              <a:rPr lang="en-US" altLang="ko-KR" sz="1000" dirty="0"/>
-              <a:t>Y7(</a:t>
-            </a:r>
-            <a:r>
-              <a:rPr lang="ko-KR" altLang="en-US" sz="1000" dirty="0"/>
-              <a:t>차량</a:t>
-            </a:r>
-            <a:r>
-              <a:rPr lang="en-US" altLang="ko-KR" sz="1000" dirty="0"/>
-              <a:t>) </a:t>
-            </a:r>
-            <a:r>
-              <a:rPr lang="ko-KR" altLang="en-US" sz="1000" dirty="0"/>
-              <a:t>동작</a:t>
+              <a:t>에 데이터 전달</a:t>
             </a:r>
             <a:endParaRPr lang="en-US" altLang="ko-KR" sz="1000" dirty="0"/>
           </a:p>
@@ -4931,7 +5136,7 @@
     </p:spTree>
     <p:extLst>
       <p:ext uri="{BB962C8B-B14F-4D97-AF65-F5344CB8AC3E}">
-        <p14:creationId xmlns:p14="http://schemas.microsoft.com/office/powerpoint/2010/main" val="664366603"/>
+        <p14:creationId xmlns:p14="http://schemas.microsoft.com/office/powerpoint/2010/main" val="3804983529"/>
       </p:ext>
     </p:extLst>
   </p:cSld>
@@ -4963,7 +5168,7 @@
           <p:cNvPr id="6" name="TextBox 5">
             <a:extLst>
               <a:ext uri="{FF2B5EF4-FFF2-40B4-BE49-F238E27FC236}">
-                <a16:creationId xmlns:a16="http://schemas.microsoft.com/office/drawing/2014/main" id="{F168FE63-E5CD-4A05-B4EC-34494A66C414}"/>
+                <a16:creationId xmlns:a16="http://schemas.microsoft.com/office/drawing/2014/main" id="{DE2AFBF7-1A2B-46A2-94F4-D6113569CBB5}"/>
               </a:ext>
             </a:extLst>
           </p:cNvPr>
@@ -4972,8 +5177,8 @@
         </p:nvSpPr>
         <p:spPr>
           <a:xfrm>
-            <a:off x="8342313" y="993229"/>
-            <a:ext cx="3434528" cy="707886"/>
+            <a:off x="4355111" y="5481580"/>
+            <a:ext cx="3481777" cy="707886"/>
           </a:xfrm>
           <a:prstGeom prst="rect">
             <a:avLst/>
@@ -4987,19 +5192,18 @@
           <a:lstStyle/>
           <a:p>
             <a:r>
-              <a:rPr lang="ko-KR" altLang="en-US" sz="4000"/>
+              <a:rPr lang="ko-KR" altLang="en-US" sz="4000" dirty="0"/>
               <a:t>사거리 신호등</a:t>
             </a:r>
-            <a:endParaRPr lang="ko-KR" altLang="en-US" sz="4000" dirty="0"/>
           </a:p>
         </p:txBody>
       </p:sp>
       <p:pic>
         <p:nvPicPr>
-          <p:cNvPr id="4" name="그림 3">
-            <a:extLst>
-              <a:ext uri="{FF2B5EF4-FFF2-40B4-BE49-F238E27FC236}">
-                <a16:creationId xmlns:a16="http://schemas.microsoft.com/office/drawing/2014/main" id="{5E934C58-6690-4D8F-9681-6E29C6F26C8F}"/>
+          <p:cNvPr id="3" name="그림 2">
+            <a:extLst>
+              <a:ext uri="{FF2B5EF4-FFF2-40B4-BE49-F238E27FC236}">
+                <a16:creationId xmlns:a16="http://schemas.microsoft.com/office/drawing/2014/main" id="{F21FC797-A980-40C1-99AB-905CF9823E6A}"/>
               </a:ext>
             </a:extLst>
           </p:cNvPr>
@@ -5022,186 +5226,54 @@
         </p:blipFill>
         <p:spPr>
           <a:xfrm>
-            <a:off x="0" y="549796"/>
-            <a:ext cx="5590903" cy="5294405"/>
+            <a:off x="288744" y="517837"/>
+            <a:ext cx="5813138" cy="4320000"/>
           </a:xfrm>
           <a:prstGeom prst="rect">
             <a:avLst/>
           </a:prstGeom>
         </p:spPr>
       </p:pic>
-      <p:sp>
-        <p:nvSpPr>
-          <p:cNvPr id="7" name="TextBox 6">
-            <a:extLst>
-              <a:ext uri="{FF2B5EF4-FFF2-40B4-BE49-F238E27FC236}">
-                <a16:creationId xmlns:a16="http://schemas.microsoft.com/office/drawing/2014/main" id="{46D583AF-DB95-4FFB-9F59-124A396A2880}"/>
-              </a:ext>
-            </a:extLst>
-          </p:cNvPr>
-          <p:cNvSpPr txBox="1"/>
+      <p:pic>
+        <p:nvPicPr>
+          <p:cNvPr id="8" name="그림 7">
+            <a:extLst>
+              <a:ext uri="{FF2B5EF4-FFF2-40B4-BE49-F238E27FC236}">
+                <a16:creationId xmlns:a16="http://schemas.microsoft.com/office/drawing/2014/main" id="{5C983F75-2365-41DF-951D-E2386F0FAF7A}"/>
+              </a:ext>
+            </a:extLst>
+          </p:cNvPr>
+          <p:cNvPicPr>
+            <a:picLocks noChangeAspect="1"/>
+          </p:cNvPicPr>
           <p:nvPr/>
-        </p:nvSpPr>
-        <p:spPr>
-          <a:xfrm>
-            <a:off x="5530018" y="947062"/>
-            <a:ext cx="2142161" cy="246221"/>
+        </p:nvPicPr>
+        <p:blipFill>
+          <a:blip r:embed="rId3">
+            <a:extLst>
+              <a:ext uri="{28A0092B-C50C-407E-A947-70E740481C1C}">
+                <a14:useLocalDpi xmlns:a14="http://schemas.microsoft.com/office/drawing/2010/main" val="0"/>
+              </a:ext>
+            </a:extLst>
+          </a:blip>
+          <a:stretch>
+            <a:fillRect/>
+          </a:stretch>
+        </p:blipFill>
+        <p:spPr>
+          <a:xfrm>
+            <a:off x="6311654" y="517836"/>
+            <a:ext cx="5724445" cy="4320000"/>
           </a:xfrm>
           <a:prstGeom prst="rect">
             <a:avLst/>
           </a:prstGeom>
-          <a:noFill/>
-        </p:spPr>
-        <p:txBody>
-          <a:bodyPr wrap="square" rtlCol="0">
-            <a:spAutoFit/>
-          </a:bodyPr>
-          <a:lstStyle/>
-          <a:p>
-            <a:r>
-              <a:rPr lang="en-US" altLang="ko-KR" sz="1000" dirty="0"/>
-              <a:t>Y3</a:t>
-            </a:r>
-            <a:r>
-              <a:rPr lang="ko-KR" altLang="en-US" sz="1000" dirty="0"/>
-              <a:t>가 </a:t>
-            </a:r>
-            <a:r>
-              <a:rPr lang="en-US" altLang="ko-KR" sz="1000" dirty="0"/>
-              <a:t>OFF</a:t>
-            </a:r>
-            <a:r>
-              <a:rPr lang="ko-KR" altLang="en-US" sz="1000" dirty="0"/>
-              <a:t>하면 </a:t>
-            </a:r>
-            <a:r>
-              <a:rPr lang="en-US" altLang="ko-KR" sz="1000" dirty="0"/>
-              <a:t>T</a:t>
-            </a:r>
-            <a:r>
-              <a:rPr lang="ko-KR" altLang="en-US" sz="1000" dirty="0"/>
-              <a:t>초 뒤 </a:t>
-            </a:r>
-            <a:r>
-              <a:rPr lang="en-US" altLang="ko-KR" sz="1000" dirty="0"/>
-              <a:t>D1</a:t>
-            </a:r>
-            <a:r>
-              <a:rPr lang="ko-KR" altLang="en-US" sz="1000" dirty="0"/>
-              <a:t>에 전달 </a:t>
-            </a:r>
-            <a:endParaRPr lang="en-US" altLang="ko-KR" sz="1000" dirty="0"/>
-          </a:p>
-        </p:txBody>
-      </p:sp>
-      <p:sp>
-        <p:nvSpPr>
-          <p:cNvPr id="8" name="TextBox 7">
-            <a:extLst>
-              <a:ext uri="{FF2B5EF4-FFF2-40B4-BE49-F238E27FC236}">
-                <a16:creationId xmlns:a16="http://schemas.microsoft.com/office/drawing/2014/main" id="{961FA55E-4313-48FA-BE5B-E9F47F9D3B9F}"/>
-              </a:ext>
-            </a:extLst>
-          </p:cNvPr>
-          <p:cNvSpPr txBox="1"/>
-          <p:nvPr/>
-        </p:nvSpPr>
-        <p:spPr>
-          <a:xfrm>
-            <a:off x="5530017" y="3073887"/>
-            <a:ext cx="2142161" cy="246221"/>
-          </a:xfrm>
-          <a:prstGeom prst="rect">
-            <a:avLst/>
-          </a:prstGeom>
-          <a:noFill/>
-        </p:spPr>
-        <p:txBody>
-          <a:bodyPr wrap="square" rtlCol="0">
-            <a:spAutoFit/>
-          </a:bodyPr>
-          <a:lstStyle/>
-          <a:p>
-            <a:r>
-              <a:rPr lang="en-US" altLang="ko-KR" sz="1000" dirty="0"/>
-              <a:t>D0</a:t>
-            </a:r>
-            <a:r>
-              <a:rPr lang="ko-KR" altLang="en-US" sz="1000" dirty="0"/>
-              <a:t>에 </a:t>
-            </a:r>
-            <a:r>
-              <a:rPr lang="en-US" altLang="ko-KR" sz="1000" dirty="0"/>
-              <a:t>T</a:t>
-            </a:r>
-            <a:r>
-              <a:rPr lang="ko-KR" altLang="en-US" sz="1000" dirty="0"/>
-              <a:t>초 뒤 같아지면 </a:t>
-            </a:r>
-            <a:r>
-              <a:rPr lang="en-US" altLang="ko-KR" sz="1000" dirty="0"/>
-              <a:t>D0</a:t>
-            </a:r>
-            <a:r>
-              <a:rPr lang="ko-KR" altLang="en-US" sz="1000" dirty="0"/>
-              <a:t>가 동작 </a:t>
-            </a:r>
-            <a:endParaRPr lang="en-US" altLang="ko-KR" sz="1000" dirty="0"/>
-          </a:p>
-        </p:txBody>
-      </p:sp>
-      <p:sp>
-        <p:nvSpPr>
-          <p:cNvPr id="9" name="TextBox 8">
-            <a:extLst>
-              <a:ext uri="{FF2B5EF4-FFF2-40B4-BE49-F238E27FC236}">
-                <a16:creationId xmlns:a16="http://schemas.microsoft.com/office/drawing/2014/main" id="{0C2387C9-8CB3-47DF-A952-F42FB6F7E565}"/>
-              </a:ext>
-            </a:extLst>
-          </p:cNvPr>
-          <p:cNvSpPr txBox="1"/>
-          <p:nvPr/>
-        </p:nvSpPr>
-        <p:spPr>
-          <a:xfrm>
-            <a:off x="5530016" y="4112627"/>
-            <a:ext cx="2142161" cy="246221"/>
-          </a:xfrm>
-          <a:prstGeom prst="rect">
-            <a:avLst/>
-          </a:prstGeom>
-          <a:noFill/>
-        </p:spPr>
-        <p:txBody>
-          <a:bodyPr wrap="square" rtlCol="0">
-            <a:spAutoFit/>
-          </a:bodyPr>
-          <a:lstStyle/>
-          <a:p>
-            <a:r>
-              <a:rPr lang="en-US" altLang="ko-KR" sz="1000" dirty="0"/>
-              <a:t>Y3</a:t>
-            </a:r>
-            <a:r>
-              <a:rPr lang="ko-KR" altLang="en-US" sz="1000" dirty="0"/>
-              <a:t>가 동작하면 </a:t>
-            </a:r>
-            <a:r>
-              <a:rPr lang="en-US" altLang="ko-KR" sz="1000" dirty="0"/>
-              <a:t>D1</a:t>
-            </a:r>
-            <a:r>
-              <a:rPr lang="ko-KR" altLang="en-US" sz="1000" dirty="0"/>
-              <a:t>에 데이터 전달</a:t>
-            </a:r>
-            <a:endParaRPr lang="en-US" altLang="ko-KR" sz="1000" dirty="0"/>
-          </a:p>
-        </p:txBody>
-      </p:sp>
+        </p:spPr>
+      </p:pic>
     </p:spTree>
     <p:extLst>
       <p:ext uri="{BB962C8B-B14F-4D97-AF65-F5344CB8AC3E}">
-        <p14:creationId xmlns:p14="http://schemas.microsoft.com/office/powerpoint/2010/main" val="3804983529"/>
+        <p14:creationId xmlns:p14="http://schemas.microsoft.com/office/powerpoint/2010/main" val="352857563"/>
       </p:ext>
     </p:extLst>
   </p:cSld>
@@ -5265,10 +5337,10 @@
       </p:sp>
       <p:pic>
         <p:nvPicPr>
-          <p:cNvPr id="3" name="그림 2">
-            <a:extLst>
-              <a:ext uri="{FF2B5EF4-FFF2-40B4-BE49-F238E27FC236}">
-                <a16:creationId xmlns:a16="http://schemas.microsoft.com/office/drawing/2014/main" id="{F21FC797-A980-40C1-99AB-905CF9823E6A}"/>
+          <p:cNvPr id="4" name="그림 3">
+            <a:extLst>
+              <a:ext uri="{FF2B5EF4-FFF2-40B4-BE49-F238E27FC236}">
+                <a16:creationId xmlns:a16="http://schemas.microsoft.com/office/drawing/2014/main" id="{32A2AD5D-F789-460F-80DF-23A731BA6A1F}"/>
               </a:ext>
             </a:extLst>
           </p:cNvPr>
@@ -5291,8 +5363,8 @@
         </p:blipFill>
         <p:spPr>
           <a:xfrm>
-            <a:off x="288744" y="517837"/>
-            <a:ext cx="5813138" cy="4320000"/>
+            <a:off x="322494" y="360525"/>
+            <a:ext cx="5539644" cy="4320000"/>
           </a:xfrm>
           <a:prstGeom prst="rect">
             <a:avLst/>
@@ -5301,10 +5373,10 @@
       </p:pic>
       <p:pic>
         <p:nvPicPr>
-          <p:cNvPr id="8" name="그림 7">
-            <a:extLst>
-              <a:ext uri="{FF2B5EF4-FFF2-40B4-BE49-F238E27FC236}">
-                <a16:creationId xmlns:a16="http://schemas.microsoft.com/office/drawing/2014/main" id="{5C983F75-2365-41DF-951D-E2386F0FAF7A}"/>
+          <p:cNvPr id="7" name="그림 6">
+            <a:extLst>
+              <a:ext uri="{FF2B5EF4-FFF2-40B4-BE49-F238E27FC236}">
+                <a16:creationId xmlns:a16="http://schemas.microsoft.com/office/drawing/2014/main" id="{F100B3C0-6936-4280-9370-181A1F9F5C4E}"/>
               </a:ext>
             </a:extLst>
           </p:cNvPr>
@@ -5327,8 +5399,8 @@
         </p:blipFill>
         <p:spPr>
           <a:xfrm>
-            <a:off x="6311654" y="517836"/>
-            <a:ext cx="5724445" cy="4320000"/>
+            <a:off x="6633234" y="360525"/>
+            <a:ext cx="4862827" cy="4320000"/>
           </a:xfrm>
           <a:prstGeom prst="rect">
             <a:avLst/>
@@ -5338,7 +5410,7 @@
     </p:spTree>
     <p:extLst>
       <p:ext uri="{BB962C8B-B14F-4D97-AF65-F5344CB8AC3E}">
-        <p14:creationId xmlns:p14="http://schemas.microsoft.com/office/powerpoint/2010/main" val="352857563"/>
+        <p14:creationId xmlns:p14="http://schemas.microsoft.com/office/powerpoint/2010/main" val="984347530"/>
       </p:ext>
     </p:extLst>
   </p:cSld>
@@ -5405,143 +5477,6 @@
           <p:cNvPr id="4" name="그림 3">
             <a:extLst>
               <a:ext uri="{FF2B5EF4-FFF2-40B4-BE49-F238E27FC236}">
-                <a16:creationId xmlns:a16="http://schemas.microsoft.com/office/drawing/2014/main" id="{32A2AD5D-F789-460F-80DF-23A731BA6A1F}"/>
-              </a:ext>
-            </a:extLst>
-          </p:cNvPr>
-          <p:cNvPicPr>
-            <a:picLocks noChangeAspect="1"/>
-          </p:cNvPicPr>
-          <p:nvPr/>
-        </p:nvPicPr>
-        <p:blipFill>
-          <a:blip r:embed="rId2">
-            <a:extLst>
-              <a:ext uri="{28A0092B-C50C-407E-A947-70E740481C1C}">
-                <a14:useLocalDpi xmlns:a14="http://schemas.microsoft.com/office/drawing/2010/main" val="0"/>
-              </a:ext>
-            </a:extLst>
-          </a:blip>
-          <a:stretch>
-            <a:fillRect/>
-          </a:stretch>
-        </p:blipFill>
-        <p:spPr>
-          <a:xfrm>
-            <a:off x="322494" y="360525"/>
-            <a:ext cx="5539644" cy="4320000"/>
-          </a:xfrm>
-          <a:prstGeom prst="rect">
-            <a:avLst/>
-          </a:prstGeom>
-        </p:spPr>
-      </p:pic>
-      <p:pic>
-        <p:nvPicPr>
-          <p:cNvPr id="7" name="그림 6">
-            <a:extLst>
-              <a:ext uri="{FF2B5EF4-FFF2-40B4-BE49-F238E27FC236}">
-                <a16:creationId xmlns:a16="http://schemas.microsoft.com/office/drawing/2014/main" id="{F100B3C0-6936-4280-9370-181A1F9F5C4E}"/>
-              </a:ext>
-            </a:extLst>
-          </p:cNvPr>
-          <p:cNvPicPr>
-            <a:picLocks noChangeAspect="1"/>
-          </p:cNvPicPr>
-          <p:nvPr/>
-        </p:nvPicPr>
-        <p:blipFill>
-          <a:blip r:embed="rId3">
-            <a:extLst>
-              <a:ext uri="{28A0092B-C50C-407E-A947-70E740481C1C}">
-                <a14:useLocalDpi xmlns:a14="http://schemas.microsoft.com/office/drawing/2010/main" val="0"/>
-              </a:ext>
-            </a:extLst>
-          </a:blip>
-          <a:stretch>
-            <a:fillRect/>
-          </a:stretch>
-        </p:blipFill>
-        <p:spPr>
-          <a:xfrm>
-            <a:off x="6633234" y="360525"/>
-            <a:ext cx="4862827" cy="4320000"/>
-          </a:xfrm>
-          <a:prstGeom prst="rect">
-            <a:avLst/>
-          </a:prstGeom>
-        </p:spPr>
-      </p:pic>
-    </p:spTree>
-    <p:extLst>
-      <p:ext uri="{BB962C8B-B14F-4D97-AF65-F5344CB8AC3E}">
-        <p14:creationId xmlns:p14="http://schemas.microsoft.com/office/powerpoint/2010/main" val="984347530"/>
-      </p:ext>
-    </p:extLst>
-  </p:cSld>
-  <p:clrMapOvr>
-    <a:masterClrMapping/>
-  </p:clrMapOvr>
-</p:sld>
-</file>
-
-<file path=ppt/slides/slide8.xml><?xml version="1.0" encoding="utf-8"?>
-<p:sld xmlns:a="http://schemas.openxmlformats.org/drawingml/2006/main" xmlns:r="http://schemas.openxmlformats.org/officeDocument/2006/relationships" xmlns:p="http://schemas.openxmlformats.org/presentationml/2006/main">
-  <p:cSld>
-    <p:spTree>
-      <p:nvGrpSpPr>
-        <p:cNvPr id="1" name=""/>
-        <p:cNvGrpSpPr/>
-        <p:nvPr/>
-      </p:nvGrpSpPr>
-      <p:grpSpPr>
-        <a:xfrm>
-          <a:off x="0" y="0"/>
-          <a:ext cx="0" cy="0"/>
-          <a:chOff x="0" y="0"/>
-          <a:chExt cx="0" cy="0"/>
-        </a:xfrm>
-      </p:grpSpPr>
-      <p:sp>
-        <p:nvSpPr>
-          <p:cNvPr id="6" name="TextBox 5">
-            <a:extLst>
-              <a:ext uri="{FF2B5EF4-FFF2-40B4-BE49-F238E27FC236}">
-                <a16:creationId xmlns:a16="http://schemas.microsoft.com/office/drawing/2014/main" id="{DE2AFBF7-1A2B-46A2-94F4-D6113569CBB5}"/>
-              </a:ext>
-            </a:extLst>
-          </p:cNvPr>
-          <p:cNvSpPr txBox="1"/>
-          <p:nvPr/>
-        </p:nvSpPr>
-        <p:spPr>
-          <a:xfrm>
-            <a:off x="4355111" y="5481580"/>
-            <a:ext cx="3481777" cy="707886"/>
-          </a:xfrm>
-          <a:prstGeom prst="rect">
-            <a:avLst/>
-          </a:prstGeom>
-          <a:noFill/>
-        </p:spPr>
-        <p:txBody>
-          <a:bodyPr wrap="square" rtlCol="0">
-            <a:spAutoFit/>
-          </a:bodyPr>
-          <a:lstStyle/>
-          <a:p>
-            <a:r>
-              <a:rPr lang="ko-KR" altLang="en-US" sz="4000" dirty="0"/>
-              <a:t>사거리 신호등</a:t>
-            </a:r>
-          </a:p>
-        </p:txBody>
-      </p:sp>
-      <p:pic>
-        <p:nvPicPr>
-          <p:cNvPr id="4" name="그림 3">
-            <a:extLst>
-              <a:ext uri="{FF2B5EF4-FFF2-40B4-BE49-F238E27FC236}">
                 <a16:creationId xmlns:a16="http://schemas.microsoft.com/office/drawing/2014/main" id="{38E1C24D-A5DF-460B-A7EF-53C9A34D8A9A}"/>
               </a:ext>
             </a:extLst>
@@ -5622,7 +5557,7 @@
 </p:sld>
 </file>
 
-<file path=ppt/slides/slide9.xml><?xml version="1.0" encoding="utf-8"?>
+<file path=ppt/slides/slide8.xml><?xml version="1.0" encoding="utf-8"?>
 <p:sld xmlns:a="http://schemas.openxmlformats.org/drawingml/2006/main" xmlns:r="http://schemas.openxmlformats.org/officeDocument/2006/relationships" xmlns:p="http://schemas.openxmlformats.org/presentationml/2006/main">
   <p:cSld>
     <p:spTree>
